--- a/materials/slides/2.8 探索式测试——深夜测试法.pptx
+++ b/materials/slides/2.8 探索式测试——深夜测试法.pptx
@@ -206,7 +206,7 @@
           <a:p>
             <a:fld id="{EC82124A-F363-4BD3-8BA5-C8EDB8A4673E}" type="datetimeFigureOut">
               <a:rPr lang="zh-CN" altLang="en-US" smtClean="0"/>
-              <a:t>2019/8/25</a:t>
+              <a:t>2019/9/22</a:t>
             </a:fld>
             <a:endParaRPr lang="zh-CN" altLang="en-US"/>
           </a:p>
@@ -539,7 +539,7 @@
           <a:p>
             <a:fld id="{8D7ACA88-C620-47A1-A6D3-F68F6DD6FEE9}" type="slidenum">
               <a:rPr lang="zh-CN" altLang="en-US" smtClean="0"/>
-              <a:t>3</a:t>
+              <a:t>2</a:t>
             </a:fld>
             <a:endParaRPr lang="zh-CN" altLang="en-US"/>
           </a:p>
@@ -548,7 +548,7 @@
     </p:spTree>
     <p:extLst>
       <p:ext uri="{BB962C8B-B14F-4D97-AF65-F5344CB8AC3E}">
-        <p14:creationId xmlns:p14="http://schemas.microsoft.com/office/powerpoint/2010/main" val="2584259406"/>
+        <p14:creationId xmlns:p14="http://schemas.microsoft.com/office/powerpoint/2010/main" val="2813642734"/>
       </p:ext>
     </p:extLst>
   </p:cSld>
@@ -601,6 +601,125 @@
         <p:txBody>
           <a:bodyPr/>
           <a:lstStyle/>
+          <a:p>
+            <a:endParaRPr lang="zh-CN" altLang="en-US" dirty="0"/>
+          </a:p>
+        </p:txBody>
+      </p:sp>
+      <p:sp>
+        <p:nvSpPr>
+          <p:cNvPr id="4" name="灯片编号占位符 3"/>
+          <p:cNvSpPr>
+            <a:spLocks noGrp="1"/>
+          </p:cNvSpPr>
+          <p:nvPr>
+            <p:ph type="sldNum" sz="quarter" idx="10"/>
+          </p:nvPr>
+        </p:nvSpPr>
+        <p:spPr/>
+        <p:txBody>
+          <a:bodyPr/>
+          <a:lstStyle/>
+          <a:p>
+            <a:fld id="{8D7ACA88-C620-47A1-A6D3-F68F6DD6FEE9}" type="slidenum">
+              <a:rPr lang="zh-CN" altLang="en-US" smtClean="0"/>
+              <a:t>3</a:t>
+            </a:fld>
+            <a:endParaRPr lang="zh-CN" altLang="en-US"/>
+          </a:p>
+        </p:txBody>
+      </p:sp>
+    </p:spTree>
+    <p:extLst>
+      <p:ext uri="{BB962C8B-B14F-4D97-AF65-F5344CB8AC3E}">
+        <p14:creationId xmlns:p14="http://schemas.microsoft.com/office/powerpoint/2010/main" val="2584259406"/>
+      </p:ext>
+    </p:extLst>
+  </p:cSld>
+  <p:clrMapOvr>
+    <a:masterClrMapping/>
+  </p:clrMapOvr>
+</p:notes>
+</file>
+
+<file path=ppt/notesSlides/notesSlide3.xml><?xml version="1.0" encoding="utf-8"?>
+<p:notes xmlns:a="http://schemas.openxmlformats.org/drawingml/2006/main" xmlns:r="http://schemas.openxmlformats.org/officeDocument/2006/relationships" xmlns:p="http://schemas.openxmlformats.org/presentationml/2006/main">
+  <p:cSld>
+    <p:spTree>
+      <p:nvGrpSpPr>
+        <p:cNvPr id="1" name=""/>
+        <p:cNvGrpSpPr/>
+        <p:nvPr/>
+      </p:nvGrpSpPr>
+      <p:grpSpPr>
+        <a:xfrm>
+          <a:off x="0" y="0"/>
+          <a:ext cx="0" cy="0"/>
+          <a:chOff x="0" y="0"/>
+          <a:chExt cx="0" cy="0"/>
+        </a:xfrm>
+      </p:grpSpPr>
+      <p:sp>
+        <p:nvSpPr>
+          <p:cNvPr id="2" name="幻灯片图像占位符 1"/>
+          <p:cNvSpPr>
+            <a:spLocks noGrp="1" noRot="1" noChangeAspect="1"/>
+          </p:cNvSpPr>
+          <p:nvPr>
+            <p:ph type="sldImg"/>
+          </p:nvPr>
+        </p:nvSpPr>
+        <p:spPr/>
+      </p:sp>
+      <p:sp>
+        <p:nvSpPr>
+          <p:cNvPr id="3" name="备注占位符 2"/>
+          <p:cNvSpPr>
+            <a:spLocks noGrp="1"/>
+          </p:cNvSpPr>
+          <p:nvPr>
+            <p:ph type="body" idx="1"/>
+          </p:nvPr>
+        </p:nvSpPr>
+        <p:spPr/>
+        <p:txBody>
+          <a:bodyPr/>
+          <a:lstStyle/>
+          <a:p>
+            <a:r>
+              <a:rPr lang="en-US" altLang="zh-CN" sz="1200" b="0" i="0" kern="1200" dirty="0" smtClean="0">
+                <a:solidFill>
+                  <a:schemeClr val="tx1"/>
+                </a:solidFill>
+                <a:effectLst/>
+                <a:latin typeface="+mn-lt"/>
+                <a:ea typeface="+mn-ea"/>
+                <a:cs typeface="+mn-cs"/>
+              </a:rPr>
+              <a:t>origin year  </a:t>
+            </a:r>
+            <a:r>
+              <a:rPr lang="zh-CN" altLang="en-US" sz="1200" b="0" i="0" kern="1200" dirty="0" smtClean="0">
+                <a:solidFill>
+                  <a:schemeClr val="tx1"/>
+                </a:solidFill>
+                <a:effectLst/>
+                <a:latin typeface="+mn-lt"/>
+                <a:ea typeface="+mn-ea"/>
+                <a:cs typeface="+mn-cs"/>
+              </a:rPr>
+              <a:t>起源年</a:t>
+            </a:r>
+            <a:endParaRPr lang="en-US" altLang="zh-CN" sz="1200" b="0" i="0" kern="1200" dirty="0" smtClean="0">
+              <a:solidFill>
+                <a:schemeClr val="tx1"/>
+              </a:solidFill>
+              <a:effectLst/>
+              <a:latin typeface="+mn-lt"/>
+              <a:ea typeface="+mn-ea"/>
+              <a:cs typeface="+mn-cs"/>
+            </a:endParaRPr>
+          </a:p>
           <a:p>
             <a:r>
               <a:rPr lang="en-US" altLang="zh-CN" sz="1200" b="0" i="0" kern="1200" dirty="0" smtClean="0">
@@ -1195,7 +1314,7 @@
           <a:p>
             <a:fld id="{C04CF4A6-17F9-4CD5-BCB8-44B65F331829}" type="datetimeFigureOut">
               <a:rPr lang="zh-CN" altLang="en-US" smtClean="0"/>
-              <a:t>2019/8/25</a:t>
+              <a:t>2019/9/22</a:t>
             </a:fld>
             <a:endParaRPr lang="zh-CN" altLang="en-US"/>
           </a:p>
@@ -1487,7 +1606,7 @@
           <a:p>
             <a:fld id="{C04CF4A6-17F9-4CD5-BCB8-44B65F331829}" type="datetimeFigureOut">
               <a:rPr lang="zh-CN" altLang="en-US" smtClean="0"/>
-              <a:t>2019/8/25</a:t>
+              <a:t>2019/9/22</a:t>
             </a:fld>
             <a:endParaRPr lang="zh-CN" altLang="en-US"/>
           </a:p>
@@ -1657,7 +1776,7 @@
           <a:p>
             <a:fld id="{C04CF4A6-17F9-4CD5-BCB8-44B65F331829}" type="datetimeFigureOut">
               <a:rPr lang="zh-CN" altLang="en-US" smtClean="0"/>
-              <a:t>2019/8/25</a:t>
+              <a:t>2019/9/22</a:t>
             </a:fld>
             <a:endParaRPr lang="zh-CN" altLang="en-US"/>
           </a:p>
@@ -1837,7 +1956,7 @@
           <a:p>
             <a:fld id="{C04CF4A6-17F9-4CD5-BCB8-44B65F331829}" type="datetimeFigureOut">
               <a:rPr lang="zh-CN" altLang="en-US" smtClean="0"/>
-              <a:t>2019/8/25</a:t>
+              <a:t>2019/9/22</a:t>
             </a:fld>
             <a:endParaRPr lang="zh-CN" altLang="en-US"/>
           </a:p>
@@ -2061,7 +2180,7 @@
           <a:p>
             <a:fld id="{C04CF4A6-17F9-4CD5-BCB8-44B65F331829}" type="datetimeFigureOut">
               <a:rPr lang="zh-CN" altLang="en-US" smtClean="0"/>
-              <a:t>2019/8/25</a:t>
+              <a:t>2019/9/22</a:t>
             </a:fld>
             <a:endParaRPr lang="zh-CN" altLang="en-US"/>
           </a:p>
@@ -2358,7 +2477,7 @@
           <a:p>
             <a:fld id="{C04CF4A6-17F9-4CD5-BCB8-44B65F331829}" type="datetimeFigureOut">
               <a:rPr lang="zh-CN" altLang="en-US" smtClean="0"/>
-              <a:t>2019/8/25</a:t>
+              <a:t>2019/9/22</a:t>
             </a:fld>
             <a:endParaRPr lang="zh-CN" altLang="en-US"/>
           </a:p>
@@ -2677,7 +2796,7 @@
           <a:p>
             <a:fld id="{C04CF4A6-17F9-4CD5-BCB8-44B65F331829}" type="datetimeFigureOut">
               <a:rPr lang="zh-CN" altLang="en-US" smtClean="0"/>
-              <a:t>2019/8/25</a:t>
+              <a:t>2019/9/22</a:t>
             </a:fld>
             <a:endParaRPr lang="zh-CN" altLang="en-US"/>
           </a:p>
@@ -2909,7 +3028,7 @@
           <a:p>
             <a:fld id="{C04CF4A6-17F9-4CD5-BCB8-44B65F331829}" type="datetimeFigureOut">
               <a:rPr lang="zh-CN" altLang="en-US" smtClean="0"/>
-              <a:t>2019/8/25</a:t>
+              <a:t>2019/9/22</a:t>
             </a:fld>
             <a:endParaRPr lang="zh-CN" altLang="en-US"/>
           </a:p>
@@ -3276,7 +3395,7 @@
           <a:p>
             <a:fld id="{C04CF4A6-17F9-4CD5-BCB8-44B65F331829}" type="datetimeFigureOut">
               <a:rPr lang="zh-CN" altLang="en-US" smtClean="0"/>
-              <a:t>2019/8/25</a:t>
+              <a:t>2019/9/22</a:t>
             </a:fld>
             <a:endParaRPr lang="zh-CN" altLang="en-US"/>
           </a:p>
@@ -3394,7 +3513,7 @@
           <a:p>
             <a:fld id="{C04CF4A6-17F9-4CD5-BCB8-44B65F331829}" type="datetimeFigureOut">
               <a:rPr lang="zh-CN" altLang="en-US" smtClean="0"/>
-              <a:t>2019/8/25</a:t>
+              <a:t>2019/9/22</a:t>
             </a:fld>
             <a:endParaRPr lang="zh-CN" altLang="en-US"/>
           </a:p>
@@ -3489,7 +3608,7 @@
           <a:p>
             <a:fld id="{C04CF4A6-17F9-4CD5-BCB8-44B65F331829}" type="datetimeFigureOut">
               <a:rPr lang="zh-CN" altLang="en-US" smtClean="0"/>
-              <a:t>2019/8/25</a:t>
+              <a:t>2019/9/22</a:t>
             </a:fld>
             <a:endParaRPr lang="zh-CN" altLang="en-US"/>
           </a:p>
@@ -3766,7 +3885,7 @@
           <a:p>
             <a:fld id="{C04CF4A6-17F9-4CD5-BCB8-44B65F331829}" type="datetimeFigureOut">
               <a:rPr lang="zh-CN" altLang="en-US" smtClean="0"/>
-              <a:t>2019/8/25</a:t>
+              <a:t>2019/9/22</a:t>
             </a:fld>
             <a:endParaRPr lang="zh-CN" altLang="en-US"/>
           </a:p>
@@ -3979,7 +4098,7 @@
           <a:p>
             <a:fld id="{C04CF4A6-17F9-4CD5-BCB8-44B65F331829}" type="datetimeFigureOut">
               <a:rPr lang="zh-CN" altLang="en-US" smtClean="0"/>
-              <a:t>2019/8/25</a:t>
+              <a:t>2019/9/22</a:t>
             </a:fld>
             <a:endParaRPr lang="zh-CN" altLang="en-US"/>
           </a:p>
@@ -4688,7 +4807,15 @@
             </a:r>
             <a:r>
               <a:rPr lang="zh-CN" altLang="en-US" dirty="0" smtClean="0"/>
-              <a:t>有时，测试人员可以强制它去做。深夜测试法就是提醒我们应该要去测试这些事情</a:t>
+              <a:t>有时，测试人员可以强制它去做。深夜测试法就是提醒我们应该要去测试</a:t>
+            </a:r>
+            <a:r>
+              <a:rPr lang="zh-CN" altLang="en-US" dirty="0" smtClean="0"/>
+              <a:t>这些</a:t>
+            </a:r>
+            <a:r>
+              <a:rPr lang="zh-CN" altLang="en-US" dirty="0"/>
+              <a:t>功能</a:t>
             </a:r>
             <a:endParaRPr lang="zh-CN" altLang="en-US" dirty="0"/>
           </a:p>
@@ -4942,7 +5069,15 @@
             </a:r>
             <a:r>
               <a:rPr lang="en-US" altLang="zh-CN" dirty="0"/>
-              <a:t>(days &gt; 366</a:t>
+              <a:t>(days </a:t>
+            </a:r>
+            <a:r>
+              <a:rPr lang="en-US" altLang="zh-CN" dirty="0" smtClean="0"/>
+              <a:t>&gt;= </a:t>
+            </a:r>
+            <a:r>
+              <a:rPr lang="en-US" altLang="zh-CN" dirty="0"/>
+              <a:t>366</a:t>
             </a:r>
             <a:r>
               <a:rPr lang="en-US" altLang="zh-CN" dirty="0" smtClean="0"/>
